--- a/04 - Cr MagOpt/Picture/Fig11-HighE.pptx
+++ b/04 - Cr MagOpt/Picture/Fig11-HighE.pptx
@@ -7,7 +7,7 @@
   <p:sldIdLst>
     <p:sldId id="256" r:id="rId2"/>
   </p:sldIdLst>
-  <p:sldSz cx="11341100" cy="10980738"/>
+  <p:sldSz cx="11341100" cy="11161713"/>
   <p:notesSz cx="6858000" cy="9144000"/>
   <p:defaultTextStyle>
     <a:defPPr>
@@ -136,8 +136,8 @@
         </p:nvSpPr>
         <p:spPr>
           <a:xfrm>
-            <a:off x="850583" y="3411146"/>
-            <a:ext cx="9639935" cy="2353742"/>
+            <a:off x="850584" y="3467366"/>
+            <a:ext cx="9639935" cy="2392534"/>
           </a:xfrm>
         </p:spPr>
         <p:txBody>
@@ -164,8 +164,8 @@
         </p:nvSpPr>
         <p:spPr>
           <a:xfrm>
-            <a:off x="1701165" y="6222420"/>
-            <a:ext cx="7938770" cy="2806189"/>
+            <a:off x="1701165" y="6324973"/>
+            <a:ext cx="7938770" cy="2852438"/>
           </a:xfrm>
         </p:spPr>
         <p:txBody>
@@ -288,7 +288,7 @@
           <a:p>
             <a:fld id="{E9DCA1CB-FBCD-47D8-96AD-A5C199AF58B5}" type="datetimeFigureOut">
               <a:rPr lang="fr-FR" smtClean="0"/>
-              <a:t>23/03/2017</a:t>
+              <a:t>24/03/2017</a:t>
             </a:fld>
             <a:endParaRPr lang="fr-FR"/>
           </a:p>
@@ -458,7 +458,7 @@
           <a:p>
             <a:fld id="{E9DCA1CB-FBCD-47D8-96AD-A5C199AF58B5}" type="datetimeFigureOut">
               <a:rPr lang="fr-FR" smtClean="0"/>
-              <a:t>23/03/2017</a:t>
+              <a:t>24/03/2017</a:t>
             </a:fld>
             <a:endParaRPr lang="fr-FR"/>
           </a:p>
@@ -548,8 +548,8 @@
         </p:nvSpPr>
         <p:spPr>
           <a:xfrm>
-            <a:off x="8094319" y="576999"/>
-            <a:ext cx="2512368" cy="12297410"/>
+            <a:off x="8094319" y="586509"/>
+            <a:ext cx="2512368" cy="12500085"/>
           </a:xfrm>
         </p:spPr>
         <p:txBody>
@@ -576,8 +576,8 @@
         </p:nvSpPr>
         <p:spPr>
           <a:xfrm>
-            <a:off x="557211" y="576999"/>
-            <a:ext cx="7348088" cy="12297410"/>
+            <a:off x="557211" y="586509"/>
+            <a:ext cx="7348088" cy="12500085"/>
           </a:xfrm>
         </p:spPr>
         <p:txBody>
@@ -638,7 +638,7 @@
           <a:p>
             <a:fld id="{E9DCA1CB-FBCD-47D8-96AD-A5C199AF58B5}" type="datetimeFigureOut">
               <a:rPr lang="fr-FR" smtClean="0"/>
-              <a:t>23/03/2017</a:t>
+              <a:t>24/03/2017</a:t>
             </a:fld>
             <a:endParaRPr lang="fr-FR"/>
           </a:p>
@@ -808,7 +808,7 @@
           <a:p>
             <a:fld id="{E9DCA1CB-FBCD-47D8-96AD-A5C199AF58B5}" type="datetimeFigureOut">
               <a:rPr lang="fr-FR" smtClean="0"/>
-              <a:t>23/03/2017</a:t>
+              <a:t>24/03/2017</a:t>
             </a:fld>
             <a:endParaRPr lang="fr-FR"/>
           </a:p>
@@ -898,8 +898,8 @@
         </p:nvSpPr>
         <p:spPr>
           <a:xfrm>
-            <a:off x="895868" y="7056142"/>
-            <a:ext cx="9639935" cy="2180896"/>
+            <a:off x="895869" y="7172435"/>
+            <a:ext cx="9639935" cy="2216840"/>
           </a:xfrm>
         </p:spPr>
         <p:txBody>
@@ -930,8 +930,8 @@
         </p:nvSpPr>
         <p:spPr>
           <a:xfrm>
-            <a:off x="895868" y="4654108"/>
-            <a:ext cx="9639935" cy="2402035"/>
+            <a:off x="895869" y="4730814"/>
+            <a:ext cx="9639935" cy="2441623"/>
           </a:xfrm>
         </p:spPr>
         <p:txBody>
@@ -1054,7 +1054,7 @@
           <a:p>
             <a:fld id="{E9DCA1CB-FBCD-47D8-96AD-A5C199AF58B5}" type="datetimeFigureOut">
               <a:rPr lang="fr-FR" smtClean="0"/>
-              <a:t>23/03/2017</a:t>
+              <a:t>24/03/2017</a:t>
             </a:fld>
             <a:endParaRPr lang="fr-FR"/>
           </a:p>
@@ -1167,8 +1167,8 @@
         </p:nvSpPr>
         <p:spPr>
           <a:xfrm>
-            <a:off x="557212" y="3362853"/>
-            <a:ext cx="4930228" cy="9511556"/>
+            <a:off x="557212" y="3418277"/>
+            <a:ext cx="4930228" cy="9668317"/>
           </a:xfrm>
         </p:spPr>
         <p:txBody>
@@ -1252,8 +1252,8 @@
         </p:nvSpPr>
         <p:spPr>
           <a:xfrm>
-            <a:off x="5676458" y="3362853"/>
-            <a:ext cx="4930228" cy="9511556"/>
+            <a:off x="5676458" y="3418277"/>
+            <a:ext cx="4930228" cy="9668317"/>
           </a:xfrm>
         </p:spPr>
         <p:txBody>
@@ -1342,7 +1342,7 @@
           <a:p>
             <a:fld id="{E9DCA1CB-FBCD-47D8-96AD-A5C199AF58B5}" type="datetimeFigureOut">
               <a:rPr lang="fr-FR" smtClean="0"/>
-              <a:t>23/03/2017</a:t>
+              <a:t>24/03/2017</a:t>
             </a:fld>
             <a:endParaRPr lang="fr-FR"/>
           </a:p>
@@ -1432,8 +1432,8 @@
         </p:nvSpPr>
         <p:spPr>
           <a:xfrm>
-            <a:off x="567056" y="439738"/>
-            <a:ext cx="10206990" cy="1830124"/>
+            <a:off x="567056" y="446985"/>
+            <a:ext cx="10206990" cy="1860287"/>
           </a:xfrm>
         </p:spPr>
         <p:txBody>
@@ -1464,8 +1464,8 @@
         </p:nvSpPr>
         <p:spPr>
           <a:xfrm>
-            <a:off x="567056" y="2457958"/>
-            <a:ext cx="5010955" cy="1024360"/>
+            <a:off x="567057" y="2498468"/>
+            <a:ext cx="5010955" cy="1041243"/>
           </a:xfrm>
         </p:spPr>
         <p:txBody>
@@ -1529,8 +1529,8 @@
         </p:nvSpPr>
         <p:spPr>
           <a:xfrm>
-            <a:off x="567056" y="3482319"/>
-            <a:ext cx="5010955" cy="6326635"/>
+            <a:off x="567057" y="3539712"/>
+            <a:ext cx="5010955" cy="6430905"/>
           </a:xfrm>
         </p:spPr>
         <p:txBody>
@@ -1614,8 +1614,8 @@
         </p:nvSpPr>
         <p:spPr>
           <a:xfrm>
-            <a:off x="5761122" y="2457958"/>
-            <a:ext cx="5012924" cy="1024360"/>
+            <a:off x="5761122" y="2498468"/>
+            <a:ext cx="5012924" cy="1041243"/>
           </a:xfrm>
         </p:spPr>
         <p:txBody>
@@ -1679,8 +1679,8 @@
         </p:nvSpPr>
         <p:spPr>
           <a:xfrm>
-            <a:off x="5761122" y="3482319"/>
-            <a:ext cx="5012924" cy="6326635"/>
+            <a:off x="5761122" y="3539712"/>
+            <a:ext cx="5012924" cy="6430905"/>
           </a:xfrm>
         </p:spPr>
         <p:txBody>
@@ -1769,7 +1769,7 @@
           <a:p>
             <a:fld id="{E9DCA1CB-FBCD-47D8-96AD-A5C199AF58B5}" type="datetimeFigureOut">
               <a:rPr lang="fr-FR" smtClean="0"/>
-              <a:t>23/03/2017</a:t>
+              <a:t>24/03/2017</a:t>
             </a:fld>
             <a:endParaRPr lang="fr-FR"/>
           </a:p>
@@ -1887,7 +1887,7 @@
           <a:p>
             <a:fld id="{E9DCA1CB-FBCD-47D8-96AD-A5C199AF58B5}" type="datetimeFigureOut">
               <a:rPr lang="fr-FR" smtClean="0"/>
-              <a:t>23/03/2017</a:t>
+              <a:t>24/03/2017</a:t>
             </a:fld>
             <a:endParaRPr lang="fr-FR"/>
           </a:p>
@@ -1982,7 +1982,7 @@
           <a:p>
             <a:fld id="{E9DCA1CB-FBCD-47D8-96AD-A5C199AF58B5}" type="datetimeFigureOut">
               <a:rPr lang="fr-FR" smtClean="0"/>
-              <a:t>23/03/2017</a:t>
+              <a:t>24/03/2017</a:t>
             </a:fld>
             <a:endParaRPr lang="fr-FR"/>
           </a:p>
@@ -2072,8 +2072,8 @@
         </p:nvSpPr>
         <p:spPr>
           <a:xfrm>
-            <a:off x="567057" y="437196"/>
-            <a:ext cx="3731143" cy="1860626"/>
+            <a:off x="567058" y="444402"/>
+            <a:ext cx="3731143" cy="1891291"/>
           </a:xfrm>
         </p:spPr>
         <p:txBody>
@@ -2104,8 +2104,8 @@
         </p:nvSpPr>
         <p:spPr>
           <a:xfrm>
-            <a:off x="4434057" y="437198"/>
-            <a:ext cx="6339990" cy="9371756"/>
+            <a:off x="4434057" y="444404"/>
+            <a:ext cx="6339990" cy="9526213"/>
           </a:xfrm>
         </p:spPr>
         <p:txBody>
@@ -2189,8 +2189,8 @@
         </p:nvSpPr>
         <p:spPr>
           <a:xfrm>
-            <a:off x="567057" y="2297823"/>
-            <a:ext cx="3731143" cy="7511130"/>
+            <a:off x="567058" y="2335694"/>
+            <a:ext cx="3731143" cy="7634922"/>
           </a:xfrm>
         </p:spPr>
         <p:txBody>
@@ -2259,7 +2259,7 @@
           <a:p>
             <a:fld id="{E9DCA1CB-FBCD-47D8-96AD-A5C199AF58B5}" type="datetimeFigureOut">
               <a:rPr lang="fr-FR" smtClean="0"/>
-              <a:t>23/03/2017</a:t>
+              <a:t>24/03/2017</a:t>
             </a:fld>
             <a:endParaRPr lang="fr-FR"/>
           </a:p>
@@ -2349,8 +2349,8 @@
         </p:nvSpPr>
         <p:spPr>
           <a:xfrm>
-            <a:off x="2222937" y="7686517"/>
-            <a:ext cx="6804660" cy="907437"/>
+            <a:off x="2222937" y="7813200"/>
+            <a:ext cx="6804660" cy="922393"/>
           </a:xfrm>
         </p:spPr>
         <p:txBody>
@@ -2381,8 +2381,8 @@
         </p:nvSpPr>
         <p:spPr>
           <a:xfrm>
-            <a:off x="2222937" y="981152"/>
-            <a:ext cx="6804660" cy="6588443"/>
+            <a:off x="2222937" y="997323"/>
+            <a:ext cx="6804660" cy="6697028"/>
           </a:xfrm>
         </p:spPr>
         <p:txBody>
@@ -2442,8 +2442,8 @@
         </p:nvSpPr>
         <p:spPr>
           <a:xfrm>
-            <a:off x="2222937" y="8593954"/>
-            <a:ext cx="6804660" cy="1288710"/>
+            <a:off x="2222937" y="8735592"/>
+            <a:ext cx="6804660" cy="1309949"/>
           </a:xfrm>
         </p:spPr>
         <p:txBody>
@@ -2512,7 +2512,7 @@
           <a:p>
             <a:fld id="{E9DCA1CB-FBCD-47D8-96AD-A5C199AF58B5}" type="datetimeFigureOut">
               <a:rPr lang="fr-FR" smtClean="0"/>
-              <a:t>23/03/2017</a:t>
+              <a:t>24/03/2017</a:t>
             </a:fld>
             <a:endParaRPr lang="fr-FR"/>
           </a:p>
@@ -2607,8 +2607,8 @@
         </p:nvSpPr>
         <p:spPr>
           <a:xfrm>
-            <a:off x="567056" y="439738"/>
-            <a:ext cx="10206990" cy="1830124"/>
+            <a:off x="567056" y="446985"/>
+            <a:ext cx="10206990" cy="1860287"/>
           </a:xfrm>
           <a:prstGeom prst="rect">
             <a:avLst/>
@@ -2640,8 +2640,8 @@
         </p:nvSpPr>
         <p:spPr>
           <a:xfrm>
-            <a:off x="567056" y="2562173"/>
-            <a:ext cx="10206990" cy="7246779"/>
+            <a:off x="567056" y="2604401"/>
+            <a:ext cx="10206990" cy="7366214"/>
           </a:xfrm>
           <a:prstGeom prst="rect">
             <a:avLst/>
@@ -2702,8 +2702,8 @@
         </p:nvSpPr>
         <p:spPr>
           <a:xfrm>
-            <a:off x="567055" y="10177521"/>
-            <a:ext cx="2646257" cy="584623"/>
+            <a:off x="567056" y="10345259"/>
+            <a:ext cx="2646257" cy="594258"/>
           </a:xfrm>
           <a:prstGeom prst="rect">
             <a:avLst/>
@@ -2725,7 +2725,7 @@
           <a:p>
             <a:fld id="{E9DCA1CB-FBCD-47D8-96AD-A5C199AF58B5}" type="datetimeFigureOut">
               <a:rPr lang="fr-FR" smtClean="0"/>
-              <a:t>23/03/2017</a:t>
+              <a:t>24/03/2017</a:t>
             </a:fld>
             <a:endParaRPr lang="fr-FR"/>
           </a:p>
@@ -2743,8 +2743,8 @@
         </p:nvSpPr>
         <p:spPr>
           <a:xfrm>
-            <a:off x="3874877" y="10177521"/>
-            <a:ext cx="3591348" cy="584623"/>
+            <a:off x="3874877" y="10345259"/>
+            <a:ext cx="3591348" cy="594258"/>
           </a:xfrm>
           <a:prstGeom prst="rect">
             <a:avLst/>
@@ -2780,8 +2780,8 @@
         </p:nvSpPr>
         <p:spPr>
           <a:xfrm>
-            <a:off x="8127789" y="10177521"/>
-            <a:ext cx="2646257" cy="584623"/>
+            <a:off x="8127790" y="10345259"/>
+            <a:ext cx="2646257" cy="594258"/>
           </a:xfrm>
           <a:prstGeom prst="rect">
             <a:avLst/>
@@ -3102,7 +3102,7 @@
       </p:grpSpPr>
       <p:pic>
         <p:nvPicPr>
-          <p:cNvPr id="10" name="Picture 4"/>
+          <p:cNvPr id="4" name="Picture 4"/>
           <p:cNvPicPr>
             <a:picLocks noChangeAspect="1" noChangeArrowheads="1"/>
           </p:cNvPicPr>
@@ -3123,7 +3123,7 @@
         </p:blipFill>
         <p:spPr bwMode="auto">
           <a:xfrm>
-            <a:off x="-57600" y="0"/>
+            <a:off x="-57600" y="180256"/>
             <a:ext cx="5846762" cy="10971212"/>
           </a:xfrm>
           <a:prstGeom prst="rect">
@@ -3166,7 +3166,7 @@
       </p:pic>
       <p:pic>
         <p:nvPicPr>
-          <p:cNvPr id="9" name="Picture 3"/>
+          <p:cNvPr id="5" name="Picture 3"/>
           <p:cNvPicPr>
             <a:picLocks noChangeAspect="1" noChangeArrowheads="1"/>
           </p:cNvPicPr>
@@ -3187,7 +3187,7 @@
         </p:blipFill>
         <p:spPr bwMode="auto">
           <a:xfrm>
-            <a:off x="5472000" y="0"/>
+            <a:off x="5472000" y="180256"/>
             <a:ext cx="5846762" cy="10980738"/>
           </a:xfrm>
           <a:prstGeom prst="rect">
@@ -3228,6 +3228,150 @@
           </a:extLst>
         </p:spPr>
       </p:pic>
+      <p:sp>
+        <p:nvSpPr>
+          <p:cNvPr id="2" name="ZoneTexte 1"/>
+          <p:cNvSpPr txBox="1"/>
+          <p:nvPr/>
+        </p:nvSpPr>
+        <p:spPr>
+          <a:xfrm>
+            <a:off x="-18082" y="6623"/>
+            <a:ext cx="526106" cy="461665"/>
+          </a:xfrm>
+          <a:prstGeom prst="rect">
+            <a:avLst/>
+          </a:prstGeom>
+          <a:noFill/>
+        </p:spPr>
+        <p:txBody>
+          <a:bodyPr wrap="none" rtlCol="0">
+            <a:spAutoFit/>
+          </a:bodyPr>
+          <a:lstStyle/>
+          <a:p>
+            <a:r>
+              <a:rPr lang="fr-FR" sz="2400" dirty="0" smtClean="0">
+                <a:latin typeface="Times New Roman" pitchFamily="18" charset="0"/>
+                <a:cs typeface="Times New Roman" pitchFamily="18" charset="0"/>
+              </a:rPr>
+              <a:t>(a)</a:t>
+            </a:r>
+            <a:endParaRPr lang="fr-FR" sz="2400" dirty="0">
+              <a:latin typeface="Times New Roman" pitchFamily="18" charset="0"/>
+              <a:cs typeface="Times New Roman" pitchFamily="18" charset="0"/>
+            </a:endParaRPr>
+          </a:p>
+        </p:txBody>
+      </p:sp>
+      <p:sp>
+        <p:nvSpPr>
+          <p:cNvPr id="7" name="ZoneTexte 6"/>
+          <p:cNvSpPr txBox="1"/>
+          <p:nvPr/>
+        </p:nvSpPr>
+        <p:spPr>
+          <a:xfrm>
+            <a:off x="5598542" y="6623"/>
+            <a:ext cx="526106" cy="461665"/>
+          </a:xfrm>
+          <a:prstGeom prst="rect">
+            <a:avLst/>
+          </a:prstGeom>
+          <a:noFill/>
+        </p:spPr>
+        <p:txBody>
+          <a:bodyPr wrap="none" rtlCol="0">
+            <a:spAutoFit/>
+          </a:bodyPr>
+          <a:lstStyle/>
+          <a:p>
+            <a:r>
+              <a:rPr lang="fr-FR" sz="2400" dirty="0" smtClean="0">
+                <a:latin typeface="Times New Roman" pitchFamily="18" charset="0"/>
+                <a:cs typeface="Times New Roman" pitchFamily="18" charset="0"/>
+              </a:rPr>
+              <a:t>(c)</a:t>
+            </a:r>
+            <a:endParaRPr lang="fr-FR" sz="2400" dirty="0">
+              <a:latin typeface="Times New Roman" pitchFamily="18" charset="0"/>
+              <a:cs typeface="Times New Roman" pitchFamily="18" charset="0"/>
+            </a:endParaRPr>
+          </a:p>
+        </p:txBody>
+      </p:sp>
+      <p:sp>
+        <p:nvSpPr>
+          <p:cNvPr id="8" name="ZoneTexte 7"/>
+          <p:cNvSpPr txBox="1"/>
+          <p:nvPr/>
+        </p:nvSpPr>
+        <p:spPr>
+          <a:xfrm>
+            <a:off x="14243" y="2310879"/>
+            <a:ext cx="543739" cy="461665"/>
+          </a:xfrm>
+          <a:prstGeom prst="rect">
+            <a:avLst/>
+          </a:prstGeom>
+          <a:noFill/>
+        </p:spPr>
+        <p:txBody>
+          <a:bodyPr wrap="none" rtlCol="0">
+            <a:spAutoFit/>
+          </a:bodyPr>
+          <a:lstStyle/>
+          <a:p>
+            <a:r>
+              <a:rPr lang="fr-FR" sz="2400" dirty="0" smtClean="0">
+                <a:latin typeface="Times New Roman" pitchFamily="18" charset="0"/>
+                <a:cs typeface="Times New Roman" pitchFamily="18" charset="0"/>
+              </a:rPr>
+              <a:t>(b)</a:t>
+            </a:r>
+            <a:endParaRPr lang="fr-FR" sz="2400" dirty="0">
+              <a:latin typeface="Times New Roman" pitchFamily="18" charset="0"/>
+              <a:cs typeface="Times New Roman" pitchFamily="18" charset="0"/>
+            </a:endParaRPr>
+          </a:p>
+        </p:txBody>
+      </p:sp>
+      <p:sp>
+        <p:nvSpPr>
+          <p:cNvPr id="11" name="ZoneTexte 10"/>
+          <p:cNvSpPr txBox="1"/>
+          <p:nvPr/>
+        </p:nvSpPr>
+        <p:spPr>
+          <a:xfrm>
+            <a:off x="5598542" y="2311200"/>
+            <a:ext cx="543739" cy="461665"/>
+          </a:xfrm>
+          <a:prstGeom prst="rect">
+            <a:avLst/>
+          </a:prstGeom>
+          <a:noFill/>
+        </p:spPr>
+        <p:txBody>
+          <a:bodyPr wrap="none" rtlCol="0">
+            <a:spAutoFit/>
+          </a:bodyPr>
+          <a:lstStyle/>
+          <a:p>
+            <a:r>
+              <a:rPr lang="fr-FR" sz="2400" dirty="0" smtClean="0">
+                <a:latin typeface="Times New Roman" pitchFamily="18" charset="0"/>
+                <a:cs typeface="Times New Roman" pitchFamily="18" charset="0"/>
+              </a:rPr>
+              <a:t>(d)</a:t>
+            </a:r>
+            <a:endParaRPr lang="fr-FR" sz="2400" dirty="0">
+              <a:latin typeface="Times New Roman" pitchFamily="18" charset="0"/>
+              <a:cs typeface="Times New Roman" pitchFamily="18" charset="0"/>
+            </a:endParaRPr>
+          </a:p>
+        </p:txBody>
+      </p:sp>
     </p:spTree>
     <p:extLst>
       <p:ext uri="{BB962C8B-B14F-4D97-AF65-F5344CB8AC3E}">
